--- a/figures/resources/tiff.pptx
+++ b/figures/resources/tiff.pptx
@@ -262,7 +262,7 @@
           <a:p>
             <a:fld id="{259F230F-3794-D14A-8559-3E9D41919057}" type="datetimeFigureOut">
               <a:rPr lang="de-DE" smtClean="0"/>
-              <a:t>02.10.24</a:t>
+              <a:t>14.11.24</a:t>
             </a:fld>
             <a:endParaRPr lang="de-DE"/>
           </a:p>
@@ -462,7 +462,7 @@
           <a:p>
             <a:fld id="{259F230F-3794-D14A-8559-3E9D41919057}" type="datetimeFigureOut">
               <a:rPr lang="de-DE" smtClean="0"/>
-              <a:t>02.10.24</a:t>
+              <a:t>14.11.24</a:t>
             </a:fld>
             <a:endParaRPr lang="de-DE"/>
           </a:p>
@@ -672,7 +672,7 @@
           <a:p>
             <a:fld id="{259F230F-3794-D14A-8559-3E9D41919057}" type="datetimeFigureOut">
               <a:rPr lang="de-DE" smtClean="0"/>
-              <a:t>02.10.24</a:t>
+              <a:t>14.11.24</a:t>
             </a:fld>
             <a:endParaRPr lang="de-DE"/>
           </a:p>
@@ -1231,7 +1231,7 @@
           <a:p>
             <a:fld id="{259F230F-3794-D14A-8559-3E9D41919057}" type="datetimeFigureOut">
               <a:rPr lang="de-DE" smtClean="0"/>
-              <a:t>02.10.24</a:t>
+              <a:t>14.11.24</a:t>
             </a:fld>
             <a:endParaRPr lang="de-DE"/>
           </a:p>
@@ -1507,7 +1507,7 @@
           <a:p>
             <a:fld id="{259F230F-3794-D14A-8559-3E9D41919057}" type="datetimeFigureOut">
               <a:rPr lang="de-DE" smtClean="0"/>
-              <a:t>02.10.24</a:t>
+              <a:t>14.11.24</a:t>
             </a:fld>
             <a:endParaRPr lang="de-DE"/>
           </a:p>
@@ -1775,7 +1775,7 @@
           <a:p>
             <a:fld id="{259F230F-3794-D14A-8559-3E9D41919057}" type="datetimeFigureOut">
               <a:rPr lang="de-DE" smtClean="0"/>
-              <a:t>02.10.24</a:t>
+              <a:t>14.11.24</a:t>
             </a:fld>
             <a:endParaRPr lang="de-DE"/>
           </a:p>
@@ -2190,7 +2190,7 @@
           <a:p>
             <a:fld id="{259F230F-3794-D14A-8559-3E9D41919057}" type="datetimeFigureOut">
               <a:rPr lang="de-DE" smtClean="0"/>
-              <a:t>02.10.24</a:t>
+              <a:t>14.11.24</a:t>
             </a:fld>
             <a:endParaRPr lang="de-DE"/>
           </a:p>
@@ -2332,7 +2332,7 @@
           <a:p>
             <a:fld id="{259F230F-3794-D14A-8559-3E9D41919057}" type="datetimeFigureOut">
               <a:rPr lang="de-DE" smtClean="0"/>
-              <a:t>02.10.24</a:t>
+              <a:t>14.11.24</a:t>
             </a:fld>
             <a:endParaRPr lang="de-DE"/>
           </a:p>
@@ -2445,7 +2445,7 @@
           <a:p>
             <a:fld id="{259F230F-3794-D14A-8559-3E9D41919057}" type="datetimeFigureOut">
               <a:rPr lang="de-DE" smtClean="0"/>
-              <a:t>02.10.24</a:t>
+              <a:t>14.11.24</a:t>
             </a:fld>
             <a:endParaRPr lang="de-DE"/>
           </a:p>
@@ -2758,7 +2758,7 @@
           <a:p>
             <a:fld id="{259F230F-3794-D14A-8559-3E9D41919057}" type="datetimeFigureOut">
               <a:rPr lang="de-DE" smtClean="0"/>
-              <a:t>02.10.24</a:t>
+              <a:t>14.11.24</a:t>
             </a:fld>
             <a:endParaRPr lang="de-DE"/>
           </a:p>
@@ -3047,7 +3047,7 @@
           <a:p>
             <a:fld id="{259F230F-3794-D14A-8559-3E9D41919057}" type="datetimeFigureOut">
               <a:rPr lang="de-DE" smtClean="0"/>
-              <a:t>02.10.24</a:t>
+              <a:t>14.11.24</a:t>
             </a:fld>
             <a:endParaRPr lang="de-DE"/>
           </a:p>
@@ -3290,7 +3290,7 @@
           <a:p>
             <a:fld id="{259F230F-3794-D14A-8559-3E9D41919057}" type="datetimeFigureOut">
               <a:rPr lang="de-DE" smtClean="0"/>
-              <a:t>02.10.24</a:t>
+              <a:t>14.11.24</a:t>
             </a:fld>
             <a:endParaRPr lang="de-DE"/>
           </a:p>
@@ -17615,7 +17615,7 @@
                 <a:latin typeface="Calibri" panose="020F0502020204030204" pitchFamily="34" charset="0"/>
                 <a:cs typeface="Calibri" panose="020F0502020204030204" pitchFamily="34" charset="0"/>
               </a:rPr>
-              <a:t>Datatype</a:t>
+              <a:t>Pixel data type</a:t>
             </a:r>
           </a:p>
           <a:p>
@@ -24025,7 +24025,7 @@
         </p:nvSpPr>
         <p:spPr>
           <a:xfrm>
-            <a:off x="4885564" y="3567993"/>
+            <a:off x="4875625" y="3567993"/>
             <a:ext cx="2518624" cy="830997"/>
           </a:xfrm>
           <a:prstGeom prst="rect">

--- a/figures/resources/tiff.pptx
+++ b/figures/resources/tiff.pptx
@@ -3781,13 +3781,13 @@
           <p:nvPr>
             <p:extLst>
               <p:ext uri="{D42A27DB-BD31-4B8C-83A1-F6EECF244321}">
-                <p14:modId xmlns:p14="http://schemas.microsoft.com/office/powerpoint/2010/main" val="1332581750"/>
+                <p14:modId xmlns:p14="http://schemas.microsoft.com/office/powerpoint/2010/main" val="2346438670"/>
               </p:ext>
             </p:extLst>
           </p:nvPr>
         </p:nvGraphicFramePr>
         <p:xfrm>
-          <a:off x="1404503" y="1714269"/>
+          <a:off x="1404503" y="1048348"/>
           <a:ext cx="787020" cy="793794"/>
         </p:xfrm>
         <a:graphic>
@@ -5665,7 +5665,7 @@
         </p:nvSpPr>
         <p:spPr>
           <a:xfrm>
-            <a:off x="23853" y="1063603"/>
+            <a:off x="23853" y="397682"/>
             <a:ext cx="12192000" cy="276999"/>
           </a:xfrm>
           <a:prstGeom prst="rect">
@@ -5837,13 +5837,13 @@
           <p:nvPr>
             <p:extLst>
               <p:ext uri="{D42A27DB-BD31-4B8C-83A1-F6EECF244321}">
-                <p14:modId xmlns:p14="http://schemas.microsoft.com/office/powerpoint/2010/main" val="2335149780"/>
+                <p14:modId xmlns:p14="http://schemas.microsoft.com/office/powerpoint/2010/main" val="573794367"/>
               </p:ext>
             </p:extLst>
           </p:nvPr>
         </p:nvGraphicFramePr>
         <p:xfrm>
-          <a:off x="3000230" y="1714269"/>
+          <a:off x="3000230" y="1048348"/>
           <a:ext cx="787020" cy="793794"/>
         </p:xfrm>
         <a:graphic>
@@ -7722,13 +7722,13 @@
           <p:nvPr>
             <p:extLst>
               <p:ext uri="{D42A27DB-BD31-4B8C-83A1-F6EECF244321}">
-                <p14:modId xmlns:p14="http://schemas.microsoft.com/office/powerpoint/2010/main" val="507632531"/>
+                <p14:modId xmlns:p14="http://schemas.microsoft.com/office/powerpoint/2010/main" val="2310705533"/>
               </p:ext>
             </p:extLst>
           </p:nvPr>
         </p:nvGraphicFramePr>
         <p:xfrm>
-          <a:off x="4535998" y="1714269"/>
+          <a:off x="4535998" y="1048348"/>
           <a:ext cx="773490" cy="793794"/>
         </p:xfrm>
         <a:graphic>
@@ -9607,13 +9607,13 @@
           <p:nvPr>
             <p:extLst>
               <p:ext uri="{D42A27DB-BD31-4B8C-83A1-F6EECF244321}">
-                <p14:modId xmlns:p14="http://schemas.microsoft.com/office/powerpoint/2010/main" val="2310411118"/>
+                <p14:modId xmlns:p14="http://schemas.microsoft.com/office/powerpoint/2010/main" val="2161430728"/>
               </p:ext>
             </p:extLst>
           </p:nvPr>
         </p:nvGraphicFramePr>
         <p:xfrm>
-          <a:off x="5876522" y="1714269"/>
+          <a:off x="5876522" y="1048348"/>
           <a:ext cx="774504" cy="793794"/>
         </p:xfrm>
         <a:graphic>
@@ -11492,13 +11492,13 @@
           <p:nvPr>
             <p:extLst>
               <p:ext uri="{D42A27DB-BD31-4B8C-83A1-F6EECF244321}">
-                <p14:modId xmlns:p14="http://schemas.microsoft.com/office/powerpoint/2010/main" val="1716415804"/>
+                <p14:modId xmlns:p14="http://schemas.microsoft.com/office/powerpoint/2010/main" val="3618030360"/>
               </p:ext>
             </p:extLst>
           </p:nvPr>
         </p:nvGraphicFramePr>
         <p:xfrm>
-          <a:off x="7158426" y="1714269"/>
+          <a:off x="7158426" y="1048348"/>
           <a:ext cx="1864421" cy="1419228"/>
         </p:xfrm>
         <a:graphic>
@@ -17580,7 +17580,7 @@
         </p:nvSpPr>
         <p:spPr>
           <a:xfrm>
-            <a:off x="2494603" y="3567993"/>
+            <a:off x="2494603" y="2902072"/>
             <a:ext cx="2518624" cy="2062103"/>
           </a:xfrm>
           <a:prstGeom prst="rect">
@@ -17702,8 +17702,8 @@
         </p:nvSpPr>
         <p:spPr>
           <a:xfrm>
-            <a:off x="7857437" y="3567993"/>
-            <a:ext cx="3396096" cy="2800767"/>
+            <a:off x="7857437" y="2902072"/>
+            <a:ext cx="3396096" cy="3539430"/>
           </a:xfrm>
           <a:prstGeom prst="rect">
             <a:avLst/>
@@ -17725,6 +17725,49 @@
                 <a:cs typeface="Calibri" panose="020F0502020204030204" pitchFamily="34" charset="0"/>
               </a:rPr>
               <a:t>OME-XML</a:t>
+            </a:r>
+          </a:p>
+          <a:p>
+            <a:pPr marL="285750" indent="-285750">
+              <a:buFont typeface="Arial" panose="020B0604020202020204" pitchFamily="34" charset="0"/>
+              <a:buChar char="•"/>
+            </a:pPr>
+            <a:r>
+              <a:rPr lang="en-US" sz="1600" dirty="0" err="1">
+                <a:latin typeface="Calibri" panose="020F0502020204030204" pitchFamily="34" charset="0"/>
+                <a:cs typeface="Calibri" panose="020F0502020204030204" pitchFamily="34" charset="0"/>
+              </a:rPr>
+              <a:t>PixelPhysicalSize</a:t>
+            </a:r>
+            <a:endParaRPr lang="en-US" sz="1600" dirty="0">
+              <a:latin typeface="Calibri" panose="020F0502020204030204" pitchFamily="34" charset="0"/>
+              <a:cs typeface="Calibri" panose="020F0502020204030204" pitchFamily="34" charset="0"/>
+            </a:endParaRPr>
+          </a:p>
+          <a:p>
+            <a:pPr marL="285750" indent="-285750">
+              <a:buFont typeface="Arial" panose="020B0604020202020204" pitchFamily="34" charset="0"/>
+              <a:buChar char="•"/>
+            </a:pPr>
+            <a:r>
+              <a:rPr lang="en-US" sz="1600" dirty="0">
+                <a:latin typeface="Calibri" panose="020F0502020204030204" pitchFamily="34" charset="0"/>
+                <a:cs typeface="Calibri" panose="020F0502020204030204" pitchFamily="34" charset="0"/>
+              </a:rPr>
+              <a:t>Microscope settings</a:t>
+            </a:r>
+          </a:p>
+          <a:p>
+            <a:pPr marL="285750" indent="-285750">
+              <a:buFont typeface="Arial" panose="020B0604020202020204" pitchFamily="34" charset="0"/>
+              <a:buChar char="•"/>
+            </a:pPr>
+            <a:r>
+              <a:rPr lang="en-US" sz="1600" dirty="0">
+                <a:latin typeface="Calibri" panose="020F0502020204030204" pitchFamily="34" charset="0"/>
+                <a:cs typeface="Calibri" panose="020F0502020204030204" pitchFamily="34" charset="0"/>
+              </a:rPr>
+              <a:t>…</a:t>
             </a:r>
           </a:p>
           <a:p>
@@ -17840,7 +17883,7 @@
         </p:nvSpPr>
         <p:spPr>
           <a:xfrm>
-            <a:off x="350015" y="3567993"/>
+            <a:off x="350015" y="2902072"/>
             <a:ext cx="2082872" cy="1569660"/>
           </a:xfrm>
           <a:prstGeom prst="rect">
@@ -17937,13 +17980,13 @@
           <p:nvPr>
             <p:extLst>
               <p:ext uri="{D42A27DB-BD31-4B8C-83A1-F6EECF244321}">
-                <p14:modId xmlns:p14="http://schemas.microsoft.com/office/powerpoint/2010/main" val="3529271591"/>
+                <p14:modId xmlns:p14="http://schemas.microsoft.com/office/powerpoint/2010/main" val="778391327"/>
               </p:ext>
             </p:extLst>
           </p:nvPr>
         </p:nvGraphicFramePr>
         <p:xfrm>
-          <a:off x="9268834" y="1714269"/>
+          <a:off x="9268834" y="1048348"/>
           <a:ext cx="1864421" cy="1419228"/>
         </p:xfrm>
         <a:graphic>
@@ -24025,7 +24068,7 @@
         </p:nvSpPr>
         <p:spPr>
           <a:xfrm>
-            <a:off x="4875625" y="3567993"/>
+            <a:off x="4875625" y="2902072"/>
             <a:ext cx="2518624" cy="830997"/>
           </a:xfrm>
           <a:prstGeom prst="rect">
